--- a/presentation/{Auto}Clubs And Events Organizer.pptx
+++ b/presentation/{Auto}Clubs And Events Organizer.pptx
@@ -4,6 +4,9 @@
   <p:sldMasterIdLst>
     <p:sldMasterId id="2147483786" r:id="rId1"/>
   </p:sldMasterIdLst>
+  <p:notesMasterIdLst>
+    <p:notesMasterId r:id="rId21"/>
+  </p:notesMasterIdLst>
   <p:sldIdLst>
     <p:sldId id="256" r:id="rId2"/>
     <p:sldId id="257" r:id="rId3"/>
@@ -13,16 +16,17 @@
     <p:sldId id="261" r:id="rId7"/>
     <p:sldId id="262" r:id="rId8"/>
     <p:sldId id="268" r:id="rId9"/>
-    <p:sldId id="263" r:id="rId10"/>
-    <p:sldId id="264" r:id="rId11"/>
-    <p:sldId id="265" r:id="rId12"/>
-    <p:sldId id="273" r:id="rId13"/>
-    <p:sldId id="271" r:id="rId14"/>
-    <p:sldId id="269" r:id="rId15"/>
-    <p:sldId id="270" r:id="rId16"/>
-    <p:sldId id="272" r:id="rId17"/>
-    <p:sldId id="266" r:id="rId18"/>
-    <p:sldId id="267" r:id="rId19"/>
+    <p:sldId id="274" r:id="rId10"/>
+    <p:sldId id="263" r:id="rId11"/>
+    <p:sldId id="264" r:id="rId12"/>
+    <p:sldId id="265" r:id="rId13"/>
+    <p:sldId id="273" r:id="rId14"/>
+    <p:sldId id="271" r:id="rId15"/>
+    <p:sldId id="269" r:id="rId16"/>
+    <p:sldId id="270" r:id="rId17"/>
+    <p:sldId id="272" r:id="rId18"/>
+    <p:sldId id="266" r:id="rId19"/>
+    <p:sldId id="267" r:id="rId20"/>
   </p:sldIdLst>
   <p:sldSz cx="12192000" cy="6858000"/>
   <p:notesSz cx="6858000" cy="9144000"/>
@@ -13583,6 +13587,356 @@
 </dgm:styleDef>
 </file>
 
+<file path=ppt/notesMasters/notesMaster1.xml><?xml version="1.0" encoding="utf-8"?>
+<p:notesMaster xmlns:a="http://schemas.openxmlformats.org/drawingml/2006/main" xmlns:r="http://schemas.openxmlformats.org/officeDocument/2006/relationships" xmlns:p="http://schemas.openxmlformats.org/presentationml/2006/main">
+  <p:cSld>
+    <p:bg>
+      <p:bgRef idx="1001">
+        <a:schemeClr val="bg1"/>
+      </p:bgRef>
+    </p:bg>
+    <p:spTree>
+      <p:nvGrpSpPr>
+        <p:cNvPr id="1" name=""/>
+        <p:cNvGrpSpPr/>
+        <p:nvPr/>
+      </p:nvGrpSpPr>
+      <p:grpSpPr>
+        <a:xfrm>
+          <a:off x="0" y="0"/>
+          <a:ext cx="0" cy="0"/>
+          <a:chOff x="0" y="0"/>
+          <a:chExt cx="0" cy="0"/>
+        </a:xfrm>
+      </p:grpSpPr>
+      <p:sp>
+        <p:nvSpPr>
+          <p:cNvPr id="2" name="Header Placeholder 1"/>
+          <p:cNvSpPr>
+            <a:spLocks noGrp="1"/>
+          </p:cNvSpPr>
+          <p:nvPr>
+            <p:ph type="hdr" sz="quarter"/>
+          </p:nvPr>
+        </p:nvSpPr>
+        <p:spPr>
+          <a:xfrm>
+            <a:off x="0" y="0"/>
+            <a:ext cx="2971800" cy="458788"/>
+          </a:xfrm>
+          <a:prstGeom prst="rect">
+            <a:avLst/>
+          </a:prstGeom>
+        </p:spPr>
+        <p:txBody>
+          <a:bodyPr vert="horz" lIns="91440" tIns="45720" rIns="91440" bIns="45720" rtlCol="0"/>
+          <a:lstStyle>
+            <a:lvl1pPr algn="l">
+              <a:defRPr sz="1200"/>
+            </a:lvl1pPr>
+          </a:lstStyle>
+          <a:p>
+            <a:endParaRPr lang="en-IN"/>
+          </a:p>
+        </p:txBody>
+      </p:sp>
+      <p:sp>
+        <p:nvSpPr>
+          <p:cNvPr id="3" name="Date Placeholder 2"/>
+          <p:cNvSpPr>
+            <a:spLocks noGrp="1"/>
+          </p:cNvSpPr>
+          <p:nvPr>
+            <p:ph type="dt" idx="1"/>
+          </p:nvPr>
+        </p:nvSpPr>
+        <p:spPr>
+          <a:xfrm>
+            <a:off x="3884613" y="0"/>
+            <a:ext cx="2971800" cy="458788"/>
+          </a:xfrm>
+          <a:prstGeom prst="rect">
+            <a:avLst/>
+          </a:prstGeom>
+        </p:spPr>
+        <p:txBody>
+          <a:bodyPr vert="horz" lIns="91440" tIns="45720" rIns="91440" bIns="45720" rtlCol="0"/>
+          <a:lstStyle>
+            <a:lvl1pPr algn="r">
+              <a:defRPr sz="1200"/>
+            </a:lvl1pPr>
+          </a:lstStyle>
+          <a:p>
+            <a:fld id="{4AD7783B-1F9D-4167-82FC-0AFC23E84374}" type="datetimeFigureOut">
+              <a:rPr lang="en-IN" smtClean="0"/>
+              <a:t>24-08-2022</a:t>
+            </a:fld>
+            <a:endParaRPr lang="en-IN"/>
+          </a:p>
+        </p:txBody>
+      </p:sp>
+      <p:sp>
+        <p:nvSpPr>
+          <p:cNvPr id="4" name="Slide Image Placeholder 3"/>
+          <p:cNvSpPr>
+            <a:spLocks noGrp="1" noRot="1" noChangeAspect="1"/>
+          </p:cNvSpPr>
+          <p:nvPr>
+            <p:ph type="sldImg" idx="2"/>
+          </p:nvPr>
+        </p:nvSpPr>
+        <p:spPr>
+          <a:xfrm>
+            <a:off x="685800" y="1143000"/>
+            <a:ext cx="5486400" cy="3086100"/>
+          </a:xfrm>
+          <a:prstGeom prst="rect">
+            <a:avLst/>
+          </a:prstGeom>
+          <a:noFill/>
+          <a:ln w="12700">
+            <a:solidFill>
+              <a:prstClr val="black"/>
+            </a:solidFill>
+          </a:ln>
+        </p:spPr>
+        <p:txBody>
+          <a:bodyPr vert="horz" lIns="91440" tIns="45720" rIns="91440" bIns="45720" rtlCol="0" anchor="ctr"/>
+          <a:lstStyle/>
+          <a:p>
+            <a:endParaRPr lang="en-IN"/>
+          </a:p>
+        </p:txBody>
+      </p:sp>
+      <p:sp>
+        <p:nvSpPr>
+          <p:cNvPr id="5" name="Notes Placeholder 4"/>
+          <p:cNvSpPr>
+            <a:spLocks noGrp="1"/>
+          </p:cNvSpPr>
+          <p:nvPr>
+            <p:ph type="body" sz="quarter" idx="3"/>
+          </p:nvPr>
+        </p:nvSpPr>
+        <p:spPr>
+          <a:xfrm>
+            <a:off x="685800" y="4400550"/>
+            <a:ext cx="5486400" cy="3600450"/>
+          </a:xfrm>
+          <a:prstGeom prst="rect">
+            <a:avLst/>
+          </a:prstGeom>
+        </p:spPr>
+        <p:txBody>
+          <a:bodyPr vert="horz" lIns="91440" tIns="45720" rIns="91440" bIns="45720" rtlCol="0"/>
+          <a:lstStyle/>
+          <a:p>
+            <a:pPr lvl="0"/>
+            <a:r>
+              <a:rPr lang="en-US"/>
+              <a:t>Click to edit Master text styles</a:t>
+            </a:r>
+          </a:p>
+          <a:p>
+            <a:pPr lvl="1"/>
+            <a:r>
+              <a:rPr lang="en-US"/>
+              <a:t>Second level</a:t>
+            </a:r>
+          </a:p>
+          <a:p>
+            <a:pPr lvl="2"/>
+            <a:r>
+              <a:rPr lang="en-US"/>
+              <a:t>Third level</a:t>
+            </a:r>
+          </a:p>
+          <a:p>
+            <a:pPr lvl="3"/>
+            <a:r>
+              <a:rPr lang="en-US"/>
+              <a:t>Fourth level</a:t>
+            </a:r>
+          </a:p>
+          <a:p>
+            <a:pPr lvl="4"/>
+            <a:r>
+              <a:rPr lang="en-US"/>
+              <a:t>Fifth level</a:t>
+            </a:r>
+            <a:endParaRPr lang="en-IN"/>
+          </a:p>
+        </p:txBody>
+      </p:sp>
+      <p:sp>
+        <p:nvSpPr>
+          <p:cNvPr id="6" name="Footer Placeholder 5"/>
+          <p:cNvSpPr>
+            <a:spLocks noGrp="1"/>
+          </p:cNvSpPr>
+          <p:nvPr>
+            <p:ph type="ftr" sz="quarter" idx="4"/>
+          </p:nvPr>
+        </p:nvSpPr>
+        <p:spPr>
+          <a:xfrm>
+            <a:off x="0" y="8685213"/>
+            <a:ext cx="2971800" cy="458787"/>
+          </a:xfrm>
+          <a:prstGeom prst="rect">
+            <a:avLst/>
+          </a:prstGeom>
+        </p:spPr>
+        <p:txBody>
+          <a:bodyPr vert="horz" lIns="91440" tIns="45720" rIns="91440" bIns="45720" rtlCol="0" anchor="b"/>
+          <a:lstStyle>
+            <a:lvl1pPr algn="l">
+              <a:defRPr sz="1200"/>
+            </a:lvl1pPr>
+          </a:lstStyle>
+          <a:p>
+            <a:endParaRPr lang="en-IN"/>
+          </a:p>
+        </p:txBody>
+      </p:sp>
+      <p:sp>
+        <p:nvSpPr>
+          <p:cNvPr id="7" name="Slide Number Placeholder 6"/>
+          <p:cNvSpPr>
+            <a:spLocks noGrp="1"/>
+          </p:cNvSpPr>
+          <p:nvPr>
+            <p:ph type="sldNum" sz="quarter" idx="5"/>
+          </p:nvPr>
+        </p:nvSpPr>
+        <p:spPr>
+          <a:xfrm>
+            <a:off x="3884613" y="8685213"/>
+            <a:ext cx="2971800" cy="458787"/>
+          </a:xfrm>
+          <a:prstGeom prst="rect">
+            <a:avLst/>
+          </a:prstGeom>
+        </p:spPr>
+        <p:txBody>
+          <a:bodyPr vert="horz" lIns="91440" tIns="45720" rIns="91440" bIns="45720" rtlCol="0" anchor="b"/>
+          <a:lstStyle>
+            <a:lvl1pPr algn="r">
+              <a:defRPr sz="1200"/>
+            </a:lvl1pPr>
+          </a:lstStyle>
+          <a:p>
+            <a:fld id="{1325D9FD-6A06-4E59-8A07-150BC8329299}" type="slidenum">
+              <a:rPr lang="en-IN" smtClean="0"/>
+              <a:t>‹#›</a:t>
+            </a:fld>
+            <a:endParaRPr lang="en-IN"/>
+          </a:p>
+        </p:txBody>
+      </p:sp>
+    </p:spTree>
+    <p:extLst>
+      <p:ext uri="{BB962C8B-B14F-4D97-AF65-F5344CB8AC3E}">
+        <p14:creationId xmlns:p14="http://schemas.microsoft.com/office/powerpoint/2010/main" val="218274860"/>
+      </p:ext>
+    </p:extLst>
+  </p:cSld>
+  <p:clrMap bg1="lt1" tx1="dk1" bg2="lt2" tx2="dk2" accent1="accent1" accent2="accent2" accent3="accent3" accent4="accent4" accent5="accent5" accent6="accent6" hlink="hlink" folHlink="folHlink"/>
+  <p:notesStyle>
+    <a:lvl1pPr marL="0" algn="l" defTabSz="914400" rtl="0" eaLnBrk="1" latinLnBrk="0" hangingPunct="1">
+      <a:defRPr sz="1200" kern="1200">
+        <a:solidFill>
+          <a:schemeClr val="tx1"/>
+        </a:solidFill>
+        <a:latin typeface="+mn-lt"/>
+        <a:ea typeface="+mn-ea"/>
+        <a:cs typeface="+mn-cs"/>
+      </a:defRPr>
+    </a:lvl1pPr>
+    <a:lvl2pPr marL="457200" algn="l" defTabSz="914400" rtl="0" eaLnBrk="1" latinLnBrk="0" hangingPunct="1">
+      <a:defRPr sz="1200" kern="1200">
+        <a:solidFill>
+          <a:schemeClr val="tx1"/>
+        </a:solidFill>
+        <a:latin typeface="+mn-lt"/>
+        <a:ea typeface="+mn-ea"/>
+        <a:cs typeface="+mn-cs"/>
+      </a:defRPr>
+    </a:lvl2pPr>
+    <a:lvl3pPr marL="914400" algn="l" defTabSz="914400" rtl="0" eaLnBrk="1" latinLnBrk="0" hangingPunct="1">
+      <a:defRPr sz="1200" kern="1200">
+        <a:solidFill>
+          <a:schemeClr val="tx1"/>
+        </a:solidFill>
+        <a:latin typeface="+mn-lt"/>
+        <a:ea typeface="+mn-ea"/>
+        <a:cs typeface="+mn-cs"/>
+      </a:defRPr>
+    </a:lvl3pPr>
+    <a:lvl4pPr marL="1371600" algn="l" defTabSz="914400" rtl="0" eaLnBrk="1" latinLnBrk="0" hangingPunct="1">
+      <a:defRPr sz="1200" kern="1200">
+        <a:solidFill>
+          <a:schemeClr val="tx1"/>
+        </a:solidFill>
+        <a:latin typeface="+mn-lt"/>
+        <a:ea typeface="+mn-ea"/>
+        <a:cs typeface="+mn-cs"/>
+      </a:defRPr>
+    </a:lvl4pPr>
+    <a:lvl5pPr marL="1828800" algn="l" defTabSz="914400" rtl="0" eaLnBrk="1" latinLnBrk="0" hangingPunct="1">
+      <a:defRPr sz="1200" kern="1200">
+        <a:solidFill>
+          <a:schemeClr val="tx1"/>
+        </a:solidFill>
+        <a:latin typeface="+mn-lt"/>
+        <a:ea typeface="+mn-ea"/>
+        <a:cs typeface="+mn-cs"/>
+      </a:defRPr>
+    </a:lvl5pPr>
+    <a:lvl6pPr marL="2286000" algn="l" defTabSz="914400" rtl="0" eaLnBrk="1" latinLnBrk="0" hangingPunct="1">
+      <a:defRPr sz="1200" kern="1200">
+        <a:solidFill>
+          <a:schemeClr val="tx1"/>
+        </a:solidFill>
+        <a:latin typeface="+mn-lt"/>
+        <a:ea typeface="+mn-ea"/>
+        <a:cs typeface="+mn-cs"/>
+      </a:defRPr>
+    </a:lvl6pPr>
+    <a:lvl7pPr marL="2743200" algn="l" defTabSz="914400" rtl="0" eaLnBrk="1" latinLnBrk="0" hangingPunct="1">
+      <a:defRPr sz="1200" kern="1200">
+        <a:solidFill>
+          <a:schemeClr val="tx1"/>
+        </a:solidFill>
+        <a:latin typeface="+mn-lt"/>
+        <a:ea typeface="+mn-ea"/>
+        <a:cs typeface="+mn-cs"/>
+      </a:defRPr>
+    </a:lvl7pPr>
+    <a:lvl8pPr marL="3200400" algn="l" defTabSz="914400" rtl="0" eaLnBrk="1" latinLnBrk="0" hangingPunct="1">
+      <a:defRPr sz="1200" kern="1200">
+        <a:solidFill>
+          <a:schemeClr val="tx1"/>
+        </a:solidFill>
+        <a:latin typeface="+mn-lt"/>
+        <a:ea typeface="+mn-ea"/>
+        <a:cs typeface="+mn-cs"/>
+      </a:defRPr>
+    </a:lvl8pPr>
+    <a:lvl9pPr marL="3657600" algn="l" defTabSz="914400" rtl="0" eaLnBrk="1" latinLnBrk="0" hangingPunct="1">
+      <a:defRPr sz="1200" kern="1200">
+        <a:solidFill>
+          <a:schemeClr val="tx1"/>
+        </a:solidFill>
+        <a:latin typeface="+mn-lt"/>
+        <a:ea typeface="+mn-ea"/>
+        <a:cs typeface="+mn-cs"/>
+      </a:defRPr>
+    </a:lvl9pPr>
+  </p:notesStyle>
+</p:notesMaster>
+</file>
+
 <file path=ppt/slideLayouts/slideLayout1.xml><?xml version="1.0" encoding="utf-8"?>
 <p:sldLayout xmlns:a="http://schemas.openxmlformats.org/drawingml/2006/main" xmlns:r="http://schemas.openxmlformats.org/officeDocument/2006/relationships" xmlns:p="http://schemas.openxmlformats.org/presentationml/2006/main" type="title" preserve="1">
   <p:cSld name="Title Slide">
@@ -13812,7 +14166,7 @@
           <a:p>
             <a:fld id="{E0867771-0950-4532-91F6-F900567AB65B}" type="datetimeFigureOut">
               <a:rPr lang="en-IN" smtClean="0"/>
-              <a:t>26-06-2022</a:t>
+              <a:t>24-08-2022</a:t>
             </a:fld>
             <a:endParaRPr lang="en-IN"/>
           </a:p>
@@ -14146,7 +14500,7 @@
           <a:p>
             <a:fld id="{E0867771-0950-4532-91F6-F900567AB65B}" type="datetimeFigureOut">
               <a:rPr lang="en-IN" smtClean="0"/>
-              <a:t>26-06-2022</a:t>
+              <a:t>24-08-2022</a:t>
             </a:fld>
             <a:endParaRPr lang="en-IN"/>
           </a:p>
@@ -14424,7 +14778,7 @@
           <a:p>
             <a:fld id="{E0867771-0950-4532-91F6-F900567AB65B}" type="datetimeFigureOut">
               <a:rPr lang="en-IN" smtClean="0"/>
-              <a:t>26-06-2022</a:t>
+              <a:t>24-08-2022</a:t>
             </a:fld>
             <a:endParaRPr lang="en-IN"/>
           </a:p>
@@ -14992,7 +15346,7 @@
           <a:p>
             <a:fld id="{E0867771-0950-4532-91F6-F900567AB65B}" type="datetimeFigureOut">
               <a:rPr lang="en-IN" smtClean="0"/>
-              <a:t>26-06-2022</a:t>
+              <a:t>24-08-2022</a:t>
             </a:fld>
             <a:endParaRPr lang="en-IN"/>
           </a:p>
@@ -15270,7 +15624,7 @@
           <a:p>
             <a:fld id="{E0867771-0950-4532-91F6-F900567AB65B}" type="datetimeFigureOut">
               <a:rPr lang="en-IN" smtClean="0"/>
-              <a:t>26-06-2022</a:t>
+              <a:t>24-08-2022</a:t>
             </a:fld>
             <a:endParaRPr lang="en-IN"/>
           </a:p>
@@ -15832,7 +16186,7 @@
           <a:p>
             <a:fld id="{E0867771-0950-4532-91F6-F900567AB65B}" type="datetimeFigureOut">
               <a:rPr lang="en-IN" smtClean="0"/>
-              <a:t>26-06-2022</a:t>
+              <a:t>24-08-2022</a:t>
             </a:fld>
             <a:endParaRPr lang="en-IN"/>
           </a:p>
@@ -16159,7 +16513,7 @@
           <a:p>
             <a:fld id="{E0867771-0950-4532-91F6-F900567AB65B}" type="datetimeFigureOut">
               <a:rPr lang="en-IN" smtClean="0"/>
-              <a:t>26-06-2022</a:t>
+              <a:t>24-08-2022</a:t>
             </a:fld>
             <a:endParaRPr lang="en-IN"/>
           </a:p>
@@ -16336,7 +16690,7 @@
           <a:p>
             <a:fld id="{E0867771-0950-4532-91F6-F900567AB65B}" type="datetimeFigureOut">
               <a:rPr lang="en-IN" smtClean="0"/>
-              <a:t>26-06-2022</a:t>
+              <a:t>24-08-2022</a:t>
             </a:fld>
             <a:endParaRPr lang="en-IN"/>
           </a:p>
@@ -16574,7 +16928,7 @@
           <a:p>
             <a:fld id="{E0867771-0950-4532-91F6-F900567AB65B}" type="datetimeFigureOut">
               <a:rPr lang="en-IN" smtClean="0"/>
-              <a:t>26-06-2022</a:t>
+              <a:t>24-08-2022</a:t>
             </a:fld>
             <a:endParaRPr lang="en-IN"/>
           </a:p>
@@ -16774,7 +17128,7 @@
           <a:p>
             <a:fld id="{E0867771-0950-4532-91F6-F900567AB65B}" type="datetimeFigureOut">
               <a:rPr lang="en-IN" smtClean="0"/>
-              <a:t>26-06-2022</a:t>
+              <a:t>24-08-2022</a:t>
             </a:fld>
             <a:endParaRPr lang="en-IN"/>
           </a:p>
@@ -17050,7 +17404,7 @@
           <a:p>
             <a:fld id="{E0867771-0950-4532-91F6-F900567AB65B}" type="datetimeFigureOut">
               <a:rPr lang="en-IN" smtClean="0"/>
-              <a:t>26-06-2022</a:t>
+              <a:t>24-08-2022</a:t>
             </a:fld>
             <a:endParaRPr lang="en-IN"/>
           </a:p>
@@ -17316,7 +17670,7 @@
           <a:p>
             <a:fld id="{E0867771-0950-4532-91F6-F900567AB65B}" type="datetimeFigureOut">
               <a:rPr lang="en-IN" smtClean="0"/>
-              <a:t>26-06-2022</a:t>
+              <a:t>24-08-2022</a:t>
             </a:fld>
             <a:endParaRPr lang="en-IN"/>
           </a:p>
@@ -17690,7 +18044,7 @@
           <a:p>
             <a:fld id="{E0867771-0950-4532-91F6-F900567AB65B}" type="datetimeFigureOut">
               <a:rPr lang="en-IN" smtClean="0"/>
-              <a:t>26-06-2022</a:t>
+              <a:t>24-08-2022</a:t>
             </a:fld>
             <a:endParaRPr lang="en-IN"/>
           </a:p>
@@ -17838,7 +18192,7 @@
           <a:p>
             <a:fld id="{E0867771-0950-4532-91F6-F900567AB65B}" type="datetimeFigureOut">
               <a:rPr lang="en-IN" smtClean="0"/>
-              <a:t>26-06-2022</a:t>
+              <a:t>24-08-2022</a:t>
             </a:fld>
             <a:endParaRPr lang="en-IN"/>
           </a:p>
@@ -17963,7 +18317,7 @@
           <a:p>
             <a:fld id="{E0867771-0950-4532-91F6-F900567AB65B}" type="datetimeFigureOut">
               <a:rPr lang="en-IN" smtClean="0"/>
-              <a:t>26-06-2022</a:t>
+              <a:t>24-08-2022</a:t>
             </a:fld>
             <a:endParaRPr lang="en-IN"/>
           </a:p>
@@ -18248,7 +18602,7 @@
           <a:p>
             <a:fld id="{E0867771-0950-4532-91F6-F900567AB65B}" type="datetimeFigureOut">
               <a:rPr lang="en-IN" smtClean="0"/>
-              <a:t>26-06-2022</a:t>
+              <a:t>24-08-2022</a:t>
             </a:fld>
             <a:endParaRPr lang="en-IN"/>
           </a:p>
@@ -18572,7 +18926,7 @@
           <a:p>
             <a:fld id="{E0867771-0950-4532-91F6-F900567AB65B}" type="datetimeFigureOut">
               <a:rPr lang="en-IN" smtClean="0"/>
-              <a:t>26-06-2022</a:t>
+              <a:t>24-08-2022</a:t>
             </a:fld>
             <a:endParaRPr lang="en-IN"/>
           </a:p>
@@ -18786,7 +19140,7 @@
           <a:p>
             <a:fld id="{E0867771-0950-4532-91F6-F900567AB65B}" type="datetimeFigureOut">
               <a:rPr lang="en-IN" smtClean="0"/>
-              <a:t>26-06-2022</a:t>
+              <a:t>24-08-2022</a:t>
             </a:fld>
             <a:endParaRPr lang="en-IN"/>
           </a:p>
@@ -19402,6 +19756,137 @@
           <p:cNvPr id="2" name="Title 1">
             <a:extLst>
               <a:ext uri="{FF2B5EF4-FFF2-40B4-BE49-F238E27FC236}">
+                <a16:creationId xmlns:a16="http://schemas.microsoft.com/office/drawing/2014/main" id="{FDD1A0A7-9766-B98C-23F6-FF66F7C7A518}"/>
+              </a:ext>
+            </a:extLst>
+          </p:cNvPr>
+          <p:cNvSpPr>
+            <a:spLocks noGrp="1"/>
+          </p:cNvSpPr>
+          <p:nvPr>
+            <p:ph type="title"/>
+          </p:nvPr>
+        </p:nvSpPr>
+        <p:spPr/>
+        <p:txBody>
+          <a:bodyPr/>
+          <a:lstStyle/>
+          <a:p>
+            <a:r>
+              <a:rPr lang="en-IN" dirty="0"/>
+              <a:t>Encapsulation</a:t>
+            </a:r>
+          </a:p>
+        </p:txBody>
+      </p:sp>
+      <p:sp>
+        <p:nvSpPr>
+          <p:cNvPr id="3" name="Content Placeholder 2">
+            <a:extLst>
+              <a:ext uri="{FF2B5EF4-FFF2-40B4-BE49-F238E27FC236}">
+                <a16:creationId xmlns:a16="http://schemas.microsoft.com/office/drawing/2014/main" id="{1A7F1407-00B5-1643-899D-3B0286A62CBE}"/>
+              </a:ext>
+            </a:extLst>
+          </p:cNvPr>
+          <p:cNvSpPr>
+            <a:spLocks noGrp="1"/>
+          </p:cNvSpPr>
+          <p:nvPr>
+            <p:ph idx="1"/>
+          </p:nvPr>
+        </p:nvSpPr>
+        <p:spPr>
+          <a:xfrm>
+            <a:off x="685801" y="1372291"/>
+            <a:ext cx="9727162" cy="1387152"/>
+          </a:xfrm>
+        </p:spPr>
+        <p:txBody>
+          <a:bodyPr/>
+          <a:lstStyle/>
+          <a:p>
+            <a:r>
+              <a:rPr lang="en-IN" dirty="0"/>
+              <a:t>The details of clubs and events are encapsulated using classes (Club and Event class)</a:t>
+            </a:r>
+          </a:p>
+        </p:txBody>
+      </p:sp>
+      <p:graphicFrame>
+        <p:nvGraphicFramePr>
+          <p:cNvPr id="4" name="Diagram 3">
+            <a:extLst>
+              <a:ext uri="{FF2B5EF4-FFF2-40B4-BE49-F238E27FC236}">
+                <a16:creationId xmlns:a16="http://schemas.microsoft.com/office/drawing/2014/main" id="{6ABBF016-1E83-1C0F-3002-C616FE64B2D5}"/>
+              </a:ext>
+            </a:extLst>
+          </p:cNvPr>
+          <p:cNvGraphicFramePr/>
+          <p:nvPr>
+            <p:extLst>
+              <p:ext uri="{D42A27DB-BD31-4B8C-83A1-F6EECF244321}">
+                <p14:modId xmlns:p14="http://schemas.microsoft.com/office/powerpoint/2010/main" val="1319222565"/>
+              </p:ext>
+            </p:extLst>
+          </p:nvPr>
+        </p:nvGraphicFramePr>
+        <p:xfrm>
+          <a:off x="923731" y="2780522"/>
+          <a:ext cx="10430069" cy="3357811"/>
+        </p:xfrm>
+        <a:graphic>
+          <a:graphicData uri="http://schemas.openxmlformats.org/drawingml/2006/diagram">
+            <dgm:relIds xmlns:dgm="http://schemas.openxmlformats.org/drawingml/2006/diagram" xmlns:r="http://schemas.openxmlformats.org/officeDocument/2006/relationships" r:dm="rId2" r:lo="rId3" r:qs="rId4" r:cs="rId5"/>
+          </a:graphicData>
+        </a:graphic>
+      </p:graphicFrame>
+    </p:spTree>
+    <p:extLst>
+      <p:ext uri="{BB962C8B-B14F-4D97-AF65-F5344CB8AC3E}">
+        <p14:creationId xmlns:p14="http://schemas.microsoft.com/office/powerpoint/2010/main" val="714322327"/>
+      </p:ext>
+    </p:extLst>
+  </p:cSld>
+  <p:clrMapOvr>
+    <a:masterClrMapping/>
+  </p:clrMapOvr>
+  <mc:AlternateContent xmlns:mc="http://schemas.openxmlformats.org/markup-compatibility/2006" xmlns:p14="http://schemas.microsoft.com/office/powerpoint/2010/main">
+    <mc:Choice Requires="p14">
+      <p:transition spd="med" p14:dur="700">
+        <p:fade/>
+      </p:transition>
+    </mc:Choice>
+    <mc:Fallback xmlns="">
+      <p:transition spd="med">
+        <p:fade/>
+      </p:transition>
+    </mc:Fallback>
+  </mc:AlternateContent>
+</p:sld>
+</file>
+
+<file path=ppt/slides/slide11.xml><?xml version="1.0" encoding="utf-8"?>
+<p:sld xmlns:a="http://schemas.openxmlformats.org/drawingml/2006/main" xmlns:r="http://schemas.openxmlformats.org/officeDocument/2006/relationships" xmlns:p="http://schemas.openxmlformats.org/presentationml/2006/main">
+  <p:cSld>
+    <p:spTree>
+      <p:nvGrpSpPr>
+        <p:cNvPr id="1" name=""/>
+        <p:cNvGrpSpPr/>
+        <p:nvPr/>
+      </p:nvGrpSpPr>
+      <p:grpSpPr>
+        <a:xfrm>
+          <a:off x="0" y="0"/>
+          <a:ext cx="0" cy="0"/>
+          <a:chOff x="0" y="0"/>
+          <a:chExt cx="0" cy="0"/>
+        </a:xfrm>
+      </p:grpSpPr>
+      <p:sp>
+        <p:nvSpPr>
+          <p:cNvPr id="2" name="Title 1">
+            <a:extLst>
+              <a:ext uri="{FF2B5EF4-FFF2-40B4-BE49-F238E27FC236}">
                 <a16:creationId xmlns:a16="http://schemas.microsoft.com/office/drawing/2014/main" id="{8A6A581D-3E8C-5469-2B1C-BEDED93B0A8B}"/>
               </a:ext>
             </a:extLst>
@@ -19509,7 +19994,7 @@
 </p:sld>
 </file>
 
-<file path=ppt/slides/slide11.xml><?xml version="1.0" encoding="utf-8"?>
+<file path=ppt/slides/slide12.xml><?xml version="1.0" encoding="utf-8"?>
 <p:sld xmlns:a="http://schemas.openxmlformats.org/drawingml/2006/main" xmlns:r="http://schemas.openxmlformats.org/officeDocument/2006/relationships" xmlns:p="http://schemas.openxmlformats.org/presentationml/2006/main">
   <p:cSld>
     <p:spTree>
@@ -22257,7 +22742,7 @@
 </p:sld>
 </file>
 
-<file path=ppt/slides/slide12.xml><?xml version="1.0" encoding="utf-8"?>
+<file path=ppt/slides/slide13.xml><?xml version="1.0" encoding="utf-8"?>
 <p:sld xmlns:a="http://schemas.openxmlformats.org/drawingml/2006/main" xmlns:r="http://schemas.openxmlformats.org/officeDocument/2006/relationships" xmlns:p="http://schemas.openxmlformats.org/presentationml/2006/main">
   <p:cSld>
     <p:spTree>
@@ -22507,7 +22992,7 @@
 </p:sld>
 </file>
 
-<file path=ppt/slides/slide13.xml><?xml version="1.0" encoding="utf-8"?>
+<file path=ppt/slides/slide14.xml><?xml version="1.0" encoding="utf-8"?>
 <p:sld xmlns:a="http://schemas.openxmlformats.org/drawingml/2006/main" xmlns:r="http://schemas.openxmlformats.org/officeDocument/2006/relationships" xmlns:p="http://schemas.openxmlformats.org/presentationml/2006/main">
   <p:cSld>
     <p:spTree>
@@ -22709,7 +23194,7 @@
 </p:sld>
 </file>
 
-<file path=ppt/slides/slide14.xml><?xml version="1.0" encoding="utf-8"?>
+<file path=ppt/slides/slide15.xml><?xml version="1.0" encoding="utf-8"?>
 <p:sld xmlns:a="http://schemas.openxmlformats.org/drawingml/2006/main" xmlns:r="http://schemas.openxmlformats.org/officeDocument/2006/relationships" xmlns:p="http://schemas.openxmlformats.org/presentationml/2006/main">
   <p:cSld>
     <p:spTree>
@@ -22883,7 +23368,7 @@
 </p:sld>
 </file>
 
-<file path=ppt/slides/slide15.xml><?xml version="1.0" encoding="utf-8"?>
+<file path=ppt/slides/slide16.xml><?xml version="1.0" encoding="utf-8"?>
 <p:sld xmlns:a="http://schemas.openxmlformats.org/drawingml/2006/main" xmlns:r="http://schemas.openxmlformats.org/officeDocument/2006/relationships" xmlns:p="http://schemas.openxmlformats.org/presentationml/2006/main">
   <p:cSld>
     <p:spTree>
@@ -23065,7 +23550,7 @@
 </p:sld>
 </file>
 
-<file path=ppt/slides/slide16.xml><?xml version="1.0" encoding="utf-8"?>
+<file path=ppt/slides/slide17.xml><?xml version="1.0" encoding="utf-8"?>
 <p:sld xmlns:a="http://schemas.openxmlformats.org/drawingml/2006/main" xmlns:r="http://schemas.openxmlformats.org/officeDocument/2006/relationships" xmlns:p="http://schemas.openxmlformats.org/presentationml/2006/main">
   <p:cSld>
     <p:spTree>
@@ -23342,7 +23827,7 @@
 </p:sld>
 </file>
 
-<file path=ppt/slides/slide17.xml><?xml version="1.0" encoding="utf-8"?>
+<file path=ppt/slides/slide18.xml><?xml version="1.0" encoding="utf-8"?>
 <p:sld xmlns:a="http://schemas.openxmlformats.org/drawingml/2006/main" xmlns:r="http://schemas.openxmlformats.org/officeDocument/2006/relationships" xmlns:p="http://schemas.openxmlformats.org/presentationml/2006/main">
   <p:cSld>
     <p:spTree>
@@ -23486,7 +23971,7 @@
 </p:sld>
 </file>
 
-<file path=ppt/slides/slide18.xml><?xml version="1.0" encoding="utf-8"?>
+<file path=ppt/slides/slide19.xml><?xml version="1.0" encoding="utf-8"?>
 <p:sld xmlns:a="http://schemas.openxmlformats.org/drawingml/2006/main" xmlns:r="http://schemas.openxmlformats.org/officeDocument/2006/relationships" xmlns:p="http://schemas.openxmlformats.org/presentationml/2006/main">
   <p:cSld>
     <p:spTree>
@@ -24410,8 +24895,38 @@
         </p:blipFill>
         <p:spPr>
           <a:xfrm>
-            <a:off x="3657600" y="3857851"/>
+            <a:off x="1219200" y="3969819"/>
             <a:ext cx="4876800" cy="2743200"/>
+          </a:xfrm>
+          <a:prstGeom prst="rect">
+            <a:avLst/>
+          </a:prstGeom>
+        </p:spPr>
+      </p:pic>
+      <p:pic>
+        <p:nvPicPr>
+          <p:cNvPr id="4" name="Picture 3">
+            <a:extLst>
+              <a:ext uri="{FF2B5EF4-FFF2-40B4-BE49-F238E27FC236}">
+                <a16:creationId xmlns:a16="http://schemas.microsoft.com/office/drawing/2014/main" id="{D4B23701-1B24-C85F-99F5-18C87DC3B3A2}"/>
+              </a:ext>
+            </a:extLst>
+          </p:cNvPr>
+          <p:cNvPicPr>
+            <a:picLocks noChangeAspect="1"/>
+          </p:cNvPicPr>
+          <p:nvPr/>
+        </p:nvPicPr>
+        <p:blipFill>
+          <a:blip r:embed="rId5"/>
+          <a:stretch>
+            <a:fillRect/>
+          </a:stretch>
+        </p:blipFill>
+        <p:spPr>
+          <a:xfrm>
+            <a:off x="6329008" y="4942341"/>
+            <a:ext cx="5720117" cy="798156"/>
           </a:xfrm>
           <a:prstGeom prst="rect">
             <a:avLst/>
@@ -24589,117 +25104,111 @@
           <a:chExt cx="0" cy="0"/>
         </a:xfrm>
       </p:grpSpPr>
-      <p:sp>
-        <p:nvSpPr>
-          <p:cNvPr id="2" name="Title 1">
+      <p:pic>
+        <p:nvPicPr>
+          <p:cNvPr id="5" name="Content Placeholder 4">
             <a:extLst>
               <a:ext uri="{FF2B5EF4-FFF2-40B4-BE49-F238E27FC236}">
-                <a16:creationId xmlns:a16="http://schemas.microsoft.com/office/drawing/2014/main" id="{FDD1A0A7-9766-B98C-23F6-FF66F7C7A518}"/>
+                <a16:creationId xmlns:a16="http://schemas.microsoft.com/office/drawing/2014/main" id="{3A7ACF1F-8368-A1BB-96C3-04D762DB965D}"/>
               </a:ext>
             </a:extLst>
           </p:cNvPr>
-          <p:cNvSpPr>
-            <a:spLocks noGrp="1"/>
-          </p:cNvSpPr>
+          <p:cNvPicPr>
+            <a:picLocks noGrp="1" noChangeAspect="1"/>
+          </p:cNvPicPr>
           <p:nvPr>
-            <p:ph type="title"/>
+            <p:ph idx="1"/>
           </p:nvPr>
+        </p:nvPicPr>
+        <p:blipFill>
+          <a:blip r:embed="rId2"/>
+          <a:stretch>
+            <a:fillRect/>
+          </a:stretch>
+        </p:blipFill>
+        <p:spPr>
+          <a:xfrm>
+            <a:off x="1691255" y="2600044"/>
+            <a:ext cx="8809483" cy="2057578"/>
+          </a:xfrm>
+        </p:spPr>
+      </p:pic>
+      <p:pic>
+        <p:nvPicPr>
+          <p:cNvPr id="7" name="Picture 6">
+            <a:extLst>
+              <a:ext uri="{FF2B5EF4-FFF2-40B4-BE49-F238E27FC236}">
+                <a16:creationId xmlns:a16="http://schemas.microsoft.com/office/drawing/2014/main" id="{CBA1E1D4-4CAD-AB1D-0337-9D6C87CBBF39}"/>
+              </a:ext>
+            </a:extLst>
+          </p:cNvPr>
+          <p:cNvPicPr>
+            <a:picLocks noChangeAspect="1"/>
+          </p:cNvPicPr>
+          <p:nvPr/>
+        </p:nvPicPr>
+        <p:blipFill>
+          <a:blip r:embed="rId3"/>
+          <a:stretch>
+            <a:fillRect/>
+          </a:stretch>
+        </p:blipFill>
+        <p:spPr>
+          <a:xfrm>
+            <a:off x="4236555" y="885402"/>
+            <a:ext cx="3718882" cy="1638442"/>
+          </a:xfrm>
+          <a:prstGeom prst="rect">
+            <a:avLst/>
+          </a:prstGeom>
+        </p:spPr>
+      </p:pic>
+      <p:sp>
+        <p:nvSpPr>
+          <p:cNvPr id="10" name="TextBox 9">
+            <a:extLst>
+              <a:ext uri="{FF2B5EF4-FFF2-40B4-BE49-F238E27FC236}">
+                <a16:creationId xmlns:a16="http://schemas.microsoft.com/office/drawing/2014/main" id="{A22AF93A-1723-2683-2AAD-366BB781A1CA}"/>
+              </a:ext>
+            </a:extLst>
+          </p:cNvPr>
+          <p:cNvSpPr txBox="1"/>
+          <p:nvPr/>
         </p:nvSpPr>
-        <p:spPr/>
+        <p:spPr>
+          <a:xfrm>
+            <a:off x="4970977" y="409092"/>
+            <a:ext cx="2250038" cy="400110"/>
+          </a:xfrm>
+          <a:prstGeom prst="rect">
+            <a:avLst/>
+          </a:prstGeom>
+          <a:noFill/>
+        </p:spPr>
         <p:txBody>
-          <a:bodyPr/>
+          <a:bodyPr wrap="square" rtlCol="0">
+            <a:spAutoFit/>
+          </a:bodyPr>
           <a:lstStyle/>
           <a:p>
+            <a:pPr algn="ctr"/>
             <a:r>
-              <a:rPr lang="en-IN" dirty="0"/>
-              <a:t>Encapsulation</a:t>
+              <a:rPr lang="en-IN" sz="2000" dirty="0"/>
+              <a:t>Main Menu</a:t>
             </a:r>
           </a:p>
         </p:txBody>
       </p:sp>
-      <p:sp>
-        <p:nvSpPr>
-          <p:cNvPr id="3" name="Content Placeholder 2">
-            <a:extLst>
-              <a:ext uri="{FF2B5EF4-FFF2-40B4-BE49-F238E27FC236}">
-                <a16:creationId xmlns:a16="http://schemas.microsoft.com/office/drawing/2014/main" id="{1A7F1407-00B5-1643-899D-3B0286A62CBE}"/>
-              </a:ext>
-            </a:extLst>
-          </p:cNvPr>
-          <p:cNvSpPr>
-            <a:spLocks noGrp="1"/>
-          </p:cNvSpPr>
-          <p:nvPr>
-            <p:ph idx="1"/>
-          </p:nvPr>
-        </p:nvSpPr>
-        <p:spPr>
-          <a:xfrm>
-            <a:off x="685801" y="1372291"/>
-            <a:ext cx="9727162" cy="1387152"/>
-          </a:xfrm>
-        </p:spPr>
-        <p:txBody>
-          <a:bodyPr/>
-          <a:lstStyle/>
-          <a:p>
-            <a:r>
-              <a:rPr lang="en-IN" dirty="0"/>
-              <a:t>The details of clubs and events are encapsulated using classes (Club and Event class)</a:t>
-            </a:r>
-          </a:p>
-        </p:txBody>
-      </p:sp>
-      <p:graphicFrame>
-        <p:nvGraphicFramePr>
-          <p:cNvPr id="4" name="Diagram 3">
-            <a:extLst>
-              <a:ext uri="{FF2B5EF4-FFF2-40B4-BE49-F238E27FC236}">
-                <a16:creationId xmlns:a16="http://schemas.microsoft.com/office/drawing/2014/main" id="{6ABBF016-1E83-1C0F-3002-C616FE64B2D5}"/>
-              </a:ext>
-            </a:extLst>
-          </p:cNvPr>
-          <p:cNvGraphicFramePr/>
-          <p:nvPr>
-            <p:extLst>
-              <p:ext uri="{D42A27DB-BD31-4B8C-83A1-F6EECF244321}">
-                <p14:modId xmlns:p14="http://schemas.microsoft.com/office/powerpoint/2010/main" val="1319222565"/>
-              </p:ext>
-            </p:extLst>
-          </p:nvPr>
-        </p:nvGraphicFramePr>
-        <p:xfrm>
-          <a:off x="923731" y="2780522"/>
-          <a:ext cx="10430069" cy="3357811"/>
-        </p:xfrm>
-        <a:graphic>
-          <a:graphicData uri="http://schemas.openxmlformats.org/drawingml/2006/diagram">
-            <dgm:relIds xmlns:dgm="http://schemas.openxmlformats.org/drawingml/2006/diagram" xmlns:r="http://schemas.openxmlformats.org/officeDocument/2006/relationships" r:dm="rId2" r:lo="rId3" r:qs="rId4" r:cs="rId5"/>
-          </a:graphicData>
-        </a:graphic>
-      </p:graphicFrame>
     </p:spTree>
     <p:extLst>
       <p:ext uri="{BB962C8B-B14F-4D97-AF65-F5344CB8AC3E}">
-        <p14:creationId xmlns:p14="http://schemas.microsoft.com/office/powerpoint/2010/main" val="714322327"/>
+        <p14:creationId xmlns:p14="http://schemas.microsoft.com/office/powerpoint/2010/main" val="613989923"/>
       </p:ext>
     </p:extLst>
   </p:cSld>
   <p:clrMapOvr>
     <a:masterClrMapping/>
   </p:clrMapOvr>
-  <mc:AlternateContent xmlns:mc="http://schemas.openxmlformats.org/markup-compatibility/2006" xmlns:p14="http://schemas.microsoft.com/office/powerpoint/2010/main">
-    <mc:Choice Requires="p14">
-      <p:transition spd="med" p14:dur="700">
-        <p:fade/>
-      </p:transition>
-    </mc:Choice>
-    <mc:Fallback xmlns="">
-      <p:transition spd="med">
-        <p:fade/>
-      </p:transition>
-    </mc:Fallback>
-  </mc:AlternateContent>
 </p:sld>
 </file>
 
@@ -24950,4 +25459,299 @@
     </a:ext>
   </a:extLst>
 </a:theme>
+</file>
+
+<file path=ppt/theme/theme2.xml><?xml version="1.0" encoding="utf-8"?>
+<a:theme xmlns:a="http://schemas.openxmlformats.org/drawingml/2006/main" name="Office Theme">
+  <a:themeElements>
+    <a:clrScheme name="Office">
+      <a:dk1>
+        <a:sysClr val="windowText" lastClr="000000"/>
+      </a:dk1>
+      <a:lt1>
+        <a:sysClr val="window" lastClr="FFFFFF"/>
+      </a:lt1>
+      <a:dk2>
+        <a:srgbClr val="44546A"/>
+      </a:dk2>
+      <a:lt2>
+        <a:srgbClr val="E7E6E6"/>
+      </a:lt2>
+      <a:accent1>
+        <a:srgbClr val="4472C4"/>
+      </a:accent1>
+      <a:accent2>
+        <a:srgbClr val="ED7D31"/>
+      </a:accent2>
+      <a:accent3>
+        <a:srgbClr val="A5A5A5"/>
+      </a:accent3>
+      <a:accent4>
+        <a:srgbClr val="FFC000"/>
+      </a:accent4>
+      <a:accent5>
+        <a:srgbClr val="5B9BD5"/>
+      </a:accent5>
+      <a:accent6>
+        <a:srgbClr val="70AD47"/>
+      </a:accent6>
+      <a:hlink>
+        <a:srgbClr val="0563C1"/>
+      </a:hlink>
+      <a:folHlink>
+        <a:srgbClr val="954F72"/>
+      </a:folHlink>
+    </a:clrScheme>
+    <a:fontScheme name="Office">
+      <a:majorFont>
+        <a:latin typeface="Calibri Light" panose="020F0302020204030204"/>
+        <a:ea typeface=""/>
+        <a:cs typeface=""/>
+        <a:font script="Jpan" typeface="游ゴシック Light"/>
+        <a:font script="Hang" typeface="맑은 고딕"/>
+        <a:font script="Hans" typeface="等线 Light"/>
+        <a:font script="Hant" typeface="新細明體"/>
+        <a:font script="Arab" typeface="Times New Roman"/>
+        <a:font script="Hebr" typeface="Times New Roman"/>
+        <a:font script="Thai" typeface="Angsana New"/>
+        <a:font script="Ethi" typeface="Nyala"/>
+        <a:font script="Beng" typeface="Vrinda"/>
+        <a:font script="Gujr" typeface="Shruti"/>
+        <a:font script="Khmr" typeface="MoolBoran"/>
+        <a:font script="Knda" typeface="Tunga"/>
+        <a:font script="Guru" typeface="Raavi"/>
+        <a:font script="Cans" typeface="Euphemia"/>
+        <a:font script="Cher" typeface="Plantagenet Cherokee"/>
+        <a:font script="Yiii" typeface="Microsoft Yi Baiti"/>
+        <a:font script="Tibt" typeface="Microsoft Himalaya"/>
+        <a:font script="Thaa" typeface="MV Boli"/>
+        <a:font script="Deva" typeface="Mangal"/>
+        <a:font script="Telu" typeface="Gautami"/>
+        <a:font script="Taml" typeface="Latha"/>
+        <a:font script="Syrc" typeface="Estrangelo Edessa"/>
+        <a:font script="Orya" typeface="Kalinga"/>
+        <a:font script="Mlym" typeface="Kartika"/>
+        <a:font script="Laoo" typeface="DokChampa"/>
+        <a:font script="Sinh" typeface="Iskoola Pota"/>
+        <a:font script="Mong" typeface="Mongolian Baiti"/>
+        <a:font script="Viet" typeface="Times New Roman"/>
+        <a:font script="Uigh" typeface="Microsoft Uighur"/>
+        <a:font script="Geor" typeface="Sylfaen"/>
+        <a:font script="Armn" typeface="Arial"/>
+        <a:font script="Bugi" typeface="Leelawadee UI"/>
+        <a:font script="Bopo" typeface="Microsoft JhengHei"/>
+        <a:font script="Java" typeface="Javanese Text"/>
+        <a:font script="Lisu" typeface="Segoe UI"/>
+        <a:font script="Mymr" typeface="Myanmar Text"/>
+        <a:font script="Nkoo" typeface="Ebrima"/>
+        <a:font script="Olck" typeface="Nirmala UI"/>
+        <a:font script="Osma" typeface="Ebrima"/>
+        <a:font script="Phag" typeface="Phagspa"/>
+        <a:font script="Syrn" typeface="Estrangelo Edessa"/>
+        <a:font script="Syrj" typeface="Estrangelo Edessa"/>
+        <a:font script="Syre" typeface="Estrangelo Edessa"/>
+        <a:font script="Sora" typeface="Nirmala UI"/>
+        <a:font script="Tale" typeface="Microsoft Tai Le"/>
+        <a:font script="Talu" typeface="Microsoft New Tai Lue"/>
+        <a:font script="Tfng" typeface="Ebrima"/>
+      </a:majorFont>
+      <a:minorFont>
+        <a:latin typeface="Calibri" panose="020F0502020204030204"/>
+        <a:ea typeface=""/>
+        <a:cs typeface=""/>
+        <a:font script="Jpan" typeface="游ゴシック"/>
+        <a:font script="Hang" typeface="맑은 고딕"/>
+        <a:font script="Hans" typeface="等线"/>
+        <a:font script="Hant" typeface="新細明體"/>
+        <a:font script="Arab" typeface="Arial"/>
+        <a:font script="Hebr" typeface="Arial"/>
+        <a:font script="Thai" typeface="Cordia New"/>
+        <a:font script="Ethi" typeface="Nyala"/>
+        <a:font script="Beng" typeface="Vrinda"/>
+        <a:font script="Gujr" typeface="Shruti"/>
+        <a:font script="Khmr" typeface="DaunPenh"/>
+        <a:font script="Knda" typeface="Tunga"/>
+        <a:font script="Guru" typeface="Raavi"/>
+        <a:font script="Cans" typeface="Euphemia"/>
+        <a:font script="Cher" typeface="Plantagenet Cherokee"/>
+        <a:font script="Yiii" typeface="Microsoft Yi Baiti"/>
+        <a:font script="Tibt" typeface="Microsoft Himalaya"/>
+        <a:font script="Thaa" typeface="MV Boli"/>
+        <a:font script="Deva" typeface="Mangal"/>
+        <a:font script="Telu" typeface="Gautami"/>
+        <a:font script="Taml" typeface="Latha"/>
+        <a:font script="Syrc" typeface="Estrangelo Edessa"/>
+        <a:font script="Orya" typeface="Kalinga"/>
+        <a:font script="Mlym" typeface="Kartika"/>
+        <a:font script="Laoo" typeface="DokChampa"/>
+        <a:font script="Sinh" typeface="Iskoola Pota"/>
+        <a:font script="Mong" typeface="Mongolian Baiti"/>
+        <a:font script="Viet" typeface="Arial"/>
+        <a:font script="Uigh" typeface="Microsoft Uighur"/>
+        <a:font script="Geor" typeface="Sylfaen"/>
+        <a:font script="Armn" typeface="Arial"/>
+        <a:font script="Bugi" typeface="Leelawadee UI"/>
+        <a:font script="Bopo" typeface="Microsoft JhengHei"/>
+        <a:font script="Java" typeface="Javanese Text"/>
+        <a:font script="Lisu" typeface="Segoe UI"/>
+        <a:font script="Mymr" typeface="Myanmar Text"/>
+        <a:font script="Nkoo" typeface="Ebrima"/>
+        <a:font script="Olck" typeface="Nirmala UI"/>
+        <a:font script="Osma" typeface="Ebrima"/>
+        <a:font script="Phag" typeface="Phagspa"/>
+        <a:font script="Syrn" typeface="Estrangelo Edessa"/>
+        <a:font script="Syrj" typeface="Estrangelo Edessa"/>
+        <a:font script="Syre" typeface="Estrangelo Edessa"/>
+        <a:font script="Sora" typeface="Nirmala UI"/>
+        <a:font script="Tale" typeface="Microsoft Tai Le"/>
+        <a:font script="Talu" typeface="Microsoft New Tai Lue"/>
+        <a:font script="Tfng" typeface="Ebrima"/>
+      </a:minorFont>
+    </a:fontScheme>
+    <a:fmtScheme name="Office">
+      <a:fillStyleLst>
+        <a:solidFill>
+          <a:schemeClr val="phClr"/>
+        </a:solidFill>
+        <a:gradFill rotWithShape="1">
+          <a:gsLst>
+            <a:gs pos="0">
+              <a:schemeClr val="phClr">
+                <a:lumMod val="110000"/>
+                <a:satMod val="105000"/>
+                <a:tint val="67000"/>
+              </a:schemeClr>
+            </a:gs>
+            <a:gs pos="50000">
+              <a:schemeClr val="phClr">
+                <a:lumMod val="105000"/>
+                <a:satMod val="103000"/>
+                <a:tint val="73000"/>
+              </a:schemeClr>
+            </a:gs>
+            <a:gs pos="100000">
+              <a:schemeClr val="phClr">
+                <a:lumMod val="105000"/>
+                <a:satMod val="109000"/>
+                <a:tint val="81000"/>
+              </a:schemeClr>
+            </a:gs>
+          </a:gsLst>
+          <a:lin ang="5400000" scaled="0"/>
+        </a:gradFill>
+        <a:gradFill rotWithShape="1">
+          <a:gsLst>
+            <a:gs pos="0">
+              <a:schemeClr val="phClr">
+                <a:satMod val="103000"/>
+                <a:lumMod val="102000"/>
+                <a:tint val="94000"/>
+              </a:schemeClr>
+            </a:gs>
+            <a:gs pos="50000">
+              <a:schemeClr val="phClr">
+                <a:satMod val="110000"/>
+                <a:lumMod val="100000"/>
+                <a:shade val="100000"/>
+              </a:schemeClr>
+            </a:gs>
+            <a:gs pos="100000">
+              <a:schemeClr val="phClr">
+                <a:lumMod val="99000"/>
+                <a:satMod val="120000"/>
+                <a:shade val="78000"/>
+              </a:schemeClr>
+            </a:gs>
+          </a:gsLst>
+          <a:lin ang="5400000" scaled="0"/>
+        </a:gradFill>
+      </a:fillStyleLst>
+      <a:lnStyleLst>
+        <a:ln w="6350" cap="flat" cmpd="sng" algn="ctr">
+          <a:solidFill>
+            <a:schemeClr val="phClr"/>
+          </a:solidFill>
+          <a:prstDash val="solid"/>
+          <a:miter lim="800000"/>
+        </a:ln>
+        <a:ln w="12700" cap="flat" cmpd="sng" algn="ctr">
+          <a:solidFill>
+            <a:schemeClr val="phClr"/>
+          </a:solidFill>
+          <a:prstDash val="solid"/>
+          <a:miter lim="800000"/>
+        </a:ln>
+        <a:ln w="19050" cap="flat" cmpd="sng" algn="ctr">
+          <a:solidFill>
+            <a:schemeClr val="phClr"/>
+          </a:solidFill>
+          <a:prstDash val="solid"/>
+          <a:miter lim="800000"/>
+        </a:ln>
+      </a:lnStyleLst>
+      <a:effectStyleLst>
+        <a:effectStyle>
+          <a:effectLst/>
+        </a:effectStyle>
+        <a:effectStyle>
+          <a:effectLst/>
+        </a:effectStyle>
+        <a:effectStyle>
+          <a:effectLst>
+            <a:outerShdw blurRad="57150" dist="19050" dir="5400000" algn="ctr" rotWithShape="0">
+              <a:srgbClr val="000000">
+                <a:alpha val="63000"/>
+              </a:srgbClr>
+            </a:outerShdw>
+          </a:effectLst>
+        </a:effectStyle>
+      </a:effectStyleLst>
+      <a:bgFillStyleLst>
+        <a:solidFill>
+          <a:schemeClr val="phClr"/>
+        </a:solidFill>
+        <a:solidFill>
+          <a:schemeClr val="phClr">
+            <a:tint val="95000"/>
+            <a:satMod val="170000"/>
+          </a:schemeClr>
+        </a:solidFill>
+        <a:gradFill rotWithShape="1">
+          <a:gsLst>
+            <a:gs pos="0">
+              <a:schemeClr val="phClr">
+                <a:tint val="93000"/>
+                <a:satMod val="150000"/>
+                <a:shade val="98000"/>
+                <a:lumMod val="102000"/>
+              </a:schemeClr>
+            </a:gs>
+            <a:gs pos="50000">
+              <a:schemeClr val="phClr">
+                <a:tint val="98000"/>
+                <a:satMod val="130000"/>
+                <a:shade val="90000"/>
+                <a:lumMod val="103000"/>
+              </a:schemeClr>
+            </a:gs>
+            <a:gs pos="100000">
+              <a:schemeClr val="phClr">
+                <a:shade val="63000"/>
+                <a:satMod val="120000"/>
+              </a:schemeClr>
+            </a:gs>
+          </a:gsLst>
+          <a:lin ang="5400000" scaled="0"/>
+        </a:gradFill>
+      </a:bgFillStyleLst>
+    </a:fmtScheme>
+  </a:themeElements>
+  <a:objectDefaults/>
+  <a:extraClrSchemeLst/>
+  <a:extLst>
+    <a:ext uri="{05A4C25C-085E-4340-85A3-A5531E510DB2}">
+      <thm15:themeFamily xmlns:thm15="http://schemas.microsoft.com/office/thememl/2012/main" name="Office Theme" id="{62F939B6-93AF-4DB8-9C6B-D6C7DFDC589F}" vid="{4A3C46E8-61CC-4603-A589-7422A47A8E4A}"/>
+    </a:ext>
+  </a:extLst>
+</a:theme>
 </file>
--- a/presentation/{Auto}Clubs And Events Organizer.pptx
+++ b/presentation/{Auto}Clubs And Events Organizer.pptx
@@ -5,7 +5,7 @@
     <p:sldMasterId id="2147483786" r:id="rId1"/>
   </p:sldMasterIdLst>
   <p:notesMasterIdLst>
-    <p:notesMasterId r:id="rId21"/>
+    <p:notesMasterId r:id="rId23"/>
   </p:notesMasterIdLst>
   <p:sldIdLst>
     <p:sldId id="256" r:id="rId2"/>
@@ -27,6 +27,8 @@
     <p:sldId id="272" r:id="rId18"/>
     <p:sldId id="266" r:id="rId19"/>
     <p:sldId id="267" r:id="rId20"/>
+    <p:sldId id="275" r:id="rId21"/>
+    <p:sldId id="276" r:id="rId22"/>
   </p:sldIdLst>
   <p:sldSz cx="12192000" cy="6858000"/>
   <p:notesSz cx="6858000" cy="9144000"/>
@@ -19807,7 +19809,7 @@
           <a:p>
             <a:r>
               <a:rPr lang="en-IN" dirty="0"/>
-              <a:t>The details of clubs and events are encapsulated using classes (Club and Event class)</a:t>
+              <a:t>The details of clubs and events are encapsulated using classes (e.g. Club class, Event class, Meeting class, Recruitment class)</a:t>
             </a:r>
           </a:p>
         </p:txBody>
@@ -24262,6 +24264,195 @@
 </p:sld>
 </file>
 
+<file path=ppt/slides/slide20.xml><?xml version="1.0" encoding="utf-8"?>
+<p:sld xmlns:a="http://schemas.openxmlformats.org/drawingml/2006/main" xmlns:r="http://schemas.openxmlformats.org/officeDocument/2006/relationships" xmlns:p="http://schemas.openxmlformats.org/presentationml/2006/main">
+  <p:cSld>
+    <p:spTree>
+      <p:nvGrpSpPr>
+        <p:cNvPr id="1" name=""/>
+        <p:cNvGrpSpPr/>
+        <p:nvPr/>
+      </p:nvGrpSpPr>
+      <p:grpSpPr>
+        <a:xfrm>
+          <a:off x="0" y="0"/>
+          <a:ext cx="0" cy="0"/>
+          <a:chOff x="0" y="0"/>
+          <a:chExt cx="0" cy="0"/>
+        </a:xfrm>
+      </p:grpSpPr>
+      <p:sp>
+        <p:nvSpPr>
+          <p:cNvPr id="2" name="Title 1">
+            <a:extLst>
+              <a:ext uri="{FF2B5EF4-FFF2-40B4-BE49-F238E27FC236}">
+                <a16:creationId xmlns:a16="http://schemas.microsoft.com/office/drawing/2014/main" id="{1F80DFA0-13D5-F9EC-2C22-A829EB7DB7FE}"/>
+              </a:ext>
+            </a:extLst>
+          </p:cNvPr>
+          <p:cNvSpPr>
+            <a:spLocks noGrp="1"/>
+          </p:cNvSpPr>
+          <p:nvPr>
+            <p:ph type="title"/>
+          </p:nvPr>
+        </p:nvSpPr>
+        <p:spPr>
+          <a:xfrm>
+            <a:off x="4439816" y="480180"/>
+            <a:ext cx="3312368" cy="2645575"/>
+          </a:xfrm>
+        </p:spPr>
+        <p:txBody>
+          <a:bodyPr>
+            <a:normAutofit/>
+          </a:bodyPr>
+          <a:lstStyle/>
+          <a:p>
+            <a:r>
+              <a:rPr lang="en-IN" sz="13800" dirty="0"/>
+              <a:t>Q/A</a:t>
+            </a:r>
+          </a:p>
+        </p:txBody>
+      </p:sp>
+      <p:sp>
+        <p:nvSpPr>
+          <p:cNvPr id="4" name="TextBox 3">
+            <a:extLst>
+              <a:ext uri="{FF2B5EF4-FFF2-40B4-BE49-F238E27FC236}">
+                <a16:creationId xmlns:a16="http://schemas.microsoft.com/office/drawing/2014/main" id="{6505EADC-B7FE-72F8-DE7F-8C9B22461BD5}"/>
+              </a:ext>
+            </a:extLst>
+          </p:cNvPr>
+          <p:cNvSpPr txBox="1"/>
+          <p:nvPr/>
+        </p:nvSpPr>
+        <p:spPr>
+          <a:xfrm>
+            <a:off x="4184779" y="3985106"/>
+            <a:ext cx="3822441" cy="584775"/>
+          </a:xfrm>
+          <a:prstGeom prst="rect">
+            <a:avLst/>
+          </a:prstGeom>
+          <a:noFill/>
+        </p:spPr>
+        <p:txBody>
+          <a:bodyPr wrap="square" rtlCol="0">
+            <a:spAutoFit/>
+          </a:bodyPr>
+          <a:lstStyle/>
+          <a:p>
+            <a:r>
+              <a:rPr lang="en-IN" sz="3200" dirty="0"/>
+              <a:t>Ask us any questions!</a:t>
+            </a:r>
+          </a:p>
+        </p:txBody>
+      </p:sp>
+    </p:spTree>
+    <p:extLst>
+      <p:ext uri="{BB962C8B-B14F-4D97-AF65-F5344CB8AC3E}">
+        <p14:creationId xmlns:p14="http://schemas.microsoft.com/office/powerpoint/2010/main" val="769780455"/>
+      </p:ext>
+    </p:extLst>
+  </p:cSld>
+  <p:clrMapOvr>
+    <a:masterClrMapping/>
+  </p:clrMapOvr>
+  <mc:AlternateContent xmlns:mc="http://schemas.openxmlformats.org/markup-compatibility/2006">
+    <mc:Choice xmlns:p14="http://schemas.microsoft.com/office/powerpoint/2010/main" Requires="p14">
+      <p:transition spd="slow" p14:dur="1500">
+        <p:split orient="vert"/>
+      </p:transition>
+    </mc:Choice>
+    <mc:Fallback>
+      <p:transition spd="slow">
+        <p:split orient="vert"/>
+      </p:transition>
+    </mc:Fallback>
+  </mc:AlternateContent>
+</p:sld>
+</file>
+
+<file path=ppt/slides/slide21.xml><?xml version="1.0" encoding="utf-8"?>
+<p:sld xmlns:a="http://schemas.openxmlformats.org/drawingml/2006/main" xmlns:r="http://schemas.openxmlformats.org/officeDocument/2006/relationships" xmlns:p="http://schemas.openxmlformats.org/presentationml/2006/main">
+  <p:cSld>
+    <p:spTree>
+      <p:nvGrpSpPr>
+        <p:cNvPr id="1" name=""/>
+        <p:cNvGrpSpPr/>
+        <p:nvPr/>
+      </p:nvGrpSpPr>
+      <p:grpSpPr>
+        <a:xfrm>
+          <a:off x="0" y="0"/>
+          <a:ext cx="0" cy="0"/>
+          <a:chOff x="0" y="0"/>
+          <a:chExt cx="0" cy="0"/>
+        </a:xfrm>
+      </p:grpSpPr>
+      <p:sp>
+        <p:nvSpPr>
+          <p:cNvPr id="2" name="Title 1">
+            <a:extLst>
+              <a:ext uri="{FF2B5EF4-FFF2-40B4-BE49-F238E27FC236}">
+                <a16:creationId xmlns:a16="http://schemas.microsoft.com/office/drawing/2014/main" id="{08CD3DB1-9549-CF9A-0F78-5C7B3F07B089}"/>
+              </a:ext>
+            </a:extLst>
+          </p:cNvPr>
+          <p:cNvSpPr>
+            <a:spLocks noGrp="1"/>
+          </p:cNvSpPr>
+          <p:nvPr>
+            <p:ph type="title"/>
+          </p:nvPr>
+        </p:nvSpPr>
+        <p:spPr>
+          <a:xfrm>
+            <a:off x="1908888" y="2296885"/>
+            <a:ext cx="8374223" cy="2264229"/>
+          </a:xfrm>
+        </p:spPr>
+        <p:txBody>
+          <a:bodyPr>
+            <a:normAutofit/>
+          </a:bodyPr>
+          <a:lstStyle/>
+          <a:p>
+            <a:r>
+              <a:rPr lang="en-IN" sz="11500" dirty="0"/>
+              <a:t>Thank you!</a:t>
+            </a:r>
+          </a:p>
+        </p:txBody>
+      </p:sp>
+    </p:spTree>
+    <p:extLst>
+      <p:ext uri="{BB962C8B-B14F-4D97-AF65-F5344CB8AC3E}">
+        <p14:creationId xmlns:p14="http://schemas.microsoft.com/office/powerpoint/2010/main" val="1349776528"/>
+      </p:ext>
+    </p:extLst>
+  </p:cSld>
+  <p:clrMapOvr>
+    <a:masterClrMapping/>
+  </p:clrMapOvr>
+  <mc:AlternateContent xmlns:mc="http://schemas.openxmlformats.org/markup-compatibility/2006">
+    <mc:Choice xmlns:p14="http://schemas.microsoft.com/office/powerpoint/2010/main" Requires="p14">
+      <p:transition spd="slow" p14:dur="1400">
+        <p14:doors dir="vert"/>
+      </p:transition>
+    </mc:Choice>
+    <mc:Fallback>
+      <p:transition spd="slow">
+        <p:fade/>
+      </p:transition>
+    </mc:Fallback>
+  </mc:AlternateContent>
+</p:sld>
+</file>
+
 <file path=ppt/slides/slide3.xml><?xml version="1.0" encoding="utf-8"?>
 <p:sld xmlns:a="http://schemas.openxmlformats.org/drawingml/2006/main" xmlns:r="http://schemas.openxmlformats.org/officeDocument/2006/relationships" xmlns:p="http://schemas.openxmlformats.org/presentationml/2006/main">
   <p:cSld>
@@ -25209,6 +25400,9 @@
   <p:clrMapOvr>
     <a:masterClrMapping/>
   </p:clrMapOvr>
+  <p:transition spd="slow">
+    <p:push dir="u"/>
+  </p:transition>
 </p:sld>
 </file>
 

--- a/presentation/{Auto}Clubs And Events Organizer.pptx
+++ b/presentation/{Auto}Clubs And Events Organizer.pptx
@@ -13671,7 +13671,7 @@
           <a:p>
             <a:fld id="{4AD7783B-1F9D-4167-82FC-0AFC23E84374}" type="datetimeFigureOut">
               <a:rPr lang="en-IN" smtClean="0"/>
-              <a:t>24-08-2022</a:t>
+              <a:t>26-08-2022</a:t>
             </a:fld>
             <a:endParaRPr lang="en-IN"/>
           </a:p>
@@ -14168,7 +14168,7 @@
           <a:p>
             <a:fld id="{E0867771-0950-4532-91F6-F900567AB65B}" type="datetimeFigureOut">
               <a:rPr lang="en-IN" smtClean="0"/>
-              <a:t>24-08-2022</a:t>
+              <a:t>26-08-2022</a:t>
             </a:fld>
             <a:endParaRPr lang="en-IN"/>
           </a:p>
@@ -14502,7 +14502,7 @@
           <a:p>
             <a:fld id="{E0867771-0950-4532-91F6-F900567AB65B}" type="datetimeFigureOut">
               <a:rPr lang="en-IN" smtClean="0"/>
-              <a:t>24-08-2022</a:t>
+              <a:t>26-08-2022</a:t>
             </a:fld>
             <a:endParaRPr lang="en-IN"/>
           </a:p>
@@ -14780,7 +14780,7 @@
           <a:p>
             <a:fld id="{E0867771-0950-4532-91F6-F900567AB65B}" type="datetimeFigureOut">
               <a:rPr lang="en-IN" smtClean="0"/>
-              <a:t>24-08-2022</a:t>
+              <a:t>26-08-2022</a:t>
             </a:fld>
             <a:endParaRPr lang="en-IN"/>
           </a:p>
@@ -15348,7 +15348,7 @@
           <a:p>
             <a:fld id="{E0867771-0950-4532-91F6-F900567AB65B}" type="datetimeFigureOut">
               <a:rPr lang="en-IN" smtClean="0"/>
-              <a:t>24-08-2022</a:t>
+              <a:t>26-08-2022</a:t>
             </a:fld>
             <a:endParaRPr lang="en-IN"/>
           </a:p>
@@ -15626,7 +15626,7 @@
           <a:p>
             <a:fld id="{E0867771-0950-4532-91F6-F900567AB65B}" type="datetimeFigureOut">
               <a:rPr lang="en-IN" smtClean="0"/>
-              <a:t>24-08-2022</a:t>
+              <a:t>26-08-2022</a:t>
             </a:fld>
             <a:endParaRPr lang="en-IN"/>
           </a:p>
@@ -16188,7 +16188,7 @@
           <a:p>
             <a:fld id="{E0867771-0950-4532-91F6-F900567AB65B}" type="datetimeFigureOut">
               <a:rPr lang="en-IN" smtClean="0"/>
-              <a:t>24-08-2022</a:t>
+              <a:t>26-08-2022</a:t>
             </a:fld>
             <a:endParaRPr lang="en-IN"/>
           </a:p>
@@ -16515,7 +16515,7 @@
           <a:p>
             <a:fld id="{E0867771-0950-4532-91F6-F900567AB65B}" type="datetimeFigureOut">
               <a:rPr lang="en-IN" smtClean="0"/>
-              <a:t>24-08-2022</a:t>
+              <a:t>26-08-2022</a:t>
             </a:fld>
             <a:endParaRPr lang="en-IN"/>
           </a:p>
@@ -16692,7 +16692,7 @@
           <a:p>
             <a:fld id="{E0867771-0950-4532-91F6-F900567AB65B}" type="datetimeFigureOut">
               <a:rPr lang="en-IN" smtClean="0"/>
-              <a:t>24-08-2022</a:t>
+              <a:t>26-08-2022</a:t>
             </a:fld>
             <a:endParaRPr lang="en-IN"/>
           </a:p>
@@ -16930,7 +16930,7 @@
           <a:p>
             <a:fld id="{E0867771-0950-4532-91F6-F900567AB65B}" type="datetimeFigureOut">
               <a:rPr lang="en-IN" smtClean="0"/>
-              <a:t>24-08-2022</a:t>
+              <a:t>26-08-2022</a:t>
             </a:fld>
             <a:endParaRPr lang="en-IN"/>
           </a:p>
@@ -17130,7 +17130,7 @@
           <a:p>
             <a:fld id="{E0867771-0950-4532-91F6-F900567AB65B}" type="datetimeFigureOut">
               <a:rPr lang="en-IN" smtClean="0"/>
-              <a:t>24-08-2022</a:t>
+              <a:t>26-08-2022</a:t>
             </a:fld>
             <a:endParaRPr lang="en-IN"/>
           </a:p>
@@ -17406,7 +17406,7 @@
           <a:p>
             <a:fld id="{E0867771-0950-4532-91F6-F900567AB65B}" type="datetimeFigureOut">
               <a:rPr lang="en-IN" smtClean="0"/>
-              <a:t>24-08-2022</a:t>
+              <a:t>26-08-2022</a:t>
             </a:fld>
             <a:endParaRPr lang="en-IN"/>
           </a:p>
@@ -17672,7 +17672,7 @@
           <a:p>
             <a:fld id="{E0867771-0950-4532-91F6-F900567AB65B}" type="datetimeFigureOut">
               <a:rPr lang="en-IN" smtClean="0"/>
-              <a:t>24-08-2022</a:t>
+              <a:t>26-08-2022</a:t>
             </a:fld>
             <a:endParaRPr lang="en-IN"/>
           </a:p>
@@ -18046,7 +18046,7 @@
           <a:p>
             <a:fld id="{E0867771-0950-4532-91F6-F900567AB65B}" type="datetimeFigureOut">
               <a:rPr lang="en-IN" smtClean="0"/>
-              <a:t>24-08-2022</a:t>
+              <a:t>26-08-2022</a:t>
             </a:fld>
             <a:endParaRPr lang="en-IN"/>
           </a:p>
@@ -18194,7 +18194,7 @@
           <a:p>
             <a:fld id="{E0867771-0950-4532-91F6-F900567AB65B}" type="datetimeFigureOut">
               <a:rPr lang="en-IN" smtClean="0"/>
-              <a:t>24-08-2022</a:t>
+              <a:t>26-08-2022</a:t>
             </a:fld>
             <a:endParaRPr lang="en-IN"/>
           </a:p>
@@ -18319,7 +18319,7 @@
           <a:p>
             <a:fld id="{E0867771-0950-4532-91F6-F900567AB65B}" type="datetimeFigureOut">
               <a:rPr lang="en-IN" smtClean="0"/>
-              <a:t>24-08-2022</a:t>
+              <a:t>26-08-2022</a:t>
             </a:fld>
             <a:endParaRPr lang="en-IN"/>
           </a:p>
@@ -18604,7 +18604,7 @@
           <a:p>
             <a:fld id="{E0867771-0950-4532-91F6-F900567AB65B}" type="datetimeFigureOut">
               <a:rPr lang="en-IN" smtClean="0"/>
-              <a:t>24-08-2022</a:t>
+              <a:t>26-08-2022</a:t>
             </a:fld>
             <a:endParaRPr lang="en-IN"/>
           </a:p>
@@ -18928,7 +18928,7 @@
           <a:p>
             <a:fld id="{E0867771-0950-4532-91F6-F900567AB65B}" type="datetimeFigureOut">
               <a:rPr lang="en-IN" smtClean="0"/>
-              <a:t>24-08-2022</a:t>
+              <a:t>26-08-2022</a:t>
             </a:fld>
             <a:endParaRPr lang="en-IN"/>
           </a:p>
@@ -19142,7 +19142,7 @@
           <a:p>
             <a:fld id="{E0867771-0950-4532-91F6-F900567AB65B}" type="datetimeFigureOut">
               <a:rPr lang="en-IN" smtClean="0"/>
-              <a:t>24-08-2022</a:t>
+              <a:t>26-08-2022</a:t>
             </a:fld>
             <a:endParaRPr lang="en-IN"/>
           </a:p>
@@ -19678,7 +19678,7 @@
           <a:p>
             <a:r>
               <a:rPr lang="en-IN" dirty="0"/>
-              <a:t>Clubs And Events Organizer</a:t>
+              <a:t>Clubs And Events Management system</a:t>
             </a:r>
           </a:p>
         </p:txBody>
@@ -24361,13 +24361,13 @@
   <p:clrMapOvr>
     <a:masterClrMapping/>
   </p:clrMapOvr>
-  <mc:AlternateContent xmlns:mc="http://schemas.openxmlformats.org/markup-compatibility/2006">
-    <mc:Choice xmlns:p14="http://schemas.microsoft.com/office/powerpoint/2010/main" Requires="p14">
+  <mc:AlternateContent xmlns:mc="http://schemas.openxmlformats.org/markup-compatibility/2006" xmlns:p14="http://schemas.microsoft.com/office/powerpoint/2010/main">
+    <mc:Choice Requires="p14">
       <p:transition spd="slow" p14:dur="1500">
         <p:split orient="vert"/>
       </p:transition>
     </mc:Choice>
-    <mc:Fallback>
+    <mc:Fallback xmlns="">
       <p:transition spd="slow">
         <p:split orient="vert"/>
       </p:transition>
@@ -24438,13 +24438,13 @@
   <p:clrMapOvr>
     <a:masterClrMapping/>
   </p:clrMapOvr>
-  <mc:AlternateContent xmlns:mc="http://schemas.openxmlformats.org/markup-compatibility/2006">
-    <mc:Choice xmlns:p14="http://schemas.microsoft.com/office/powerpoint/2010/main" Requires="p14">
+  <mc:AlternateContent xmlns:mc="http://schemas.openxmlformats.org/markup-compatibility/2006" xmlns:p14="http://schemas.microsoft.com/office/powerpoint/2010/main">
+    <mc:Choice Requires="p14">
       <p:transition spd="slow" p14:dur="1400">
         <p14:doors dir="vert"/>
       </p:transition>
     </mc:Choice>
-    <mc:Fallback>
+    <mc:Fallback xmlns="">
       <p:transition spd="slow">
         <p:fade/>
       </p:transition>
@@ -24604,7 +24604,12 @@
             <p:ph type="title"/>
           </p:nvPr>
         </p:nvSpPr>
-        <p:spPr/>
+        <p:spPr>
+          <a:xfrm>
+            <a:off x="685801" y="609601"/>
+            <a:ext cx="10131425" cy="1142198"/>
+          </a:xfrm>
+        </p:spPr>
         <p:txBody>
           <a:bodyPr/>
           <a:lstStyle/>
@@ -24632,12 +24637,80 @@
             <p:ph idx="1"/>
           </p:nvPr>
         </p:nvSpPr>
-        <p:spPr/>
+        <p:spPr>
+          <a:xfrm>
+            <a:off x="685801" y="1761425"/>
+            <a:ext cx="10131425" cy="4496600"/>
+          </a:xfrm>
+        </p:spPr>
         <p:txBody>
-          <a:bodyPr/>
+          <a:bodyPr>
+            <a:normAutofit/>
+          </a:bodyPr>
           <a:lstStyle/>
           <a:p>
-            <a:endParaRPr lang="en-IN"/>
+            <a:pPr>
+              <a:buFont typeface="Arial" panose="020B0604020202020204" pitchFamily="34" charset="0"/>
+              <a:buChar char="•"/>
+            </a:pPr>
+            <a:r>
+              <a:rPr lang="en-IN" sz="2000" dirty="0"/>
+              <a:t>When a new batch of students enter, they don’t know much about the committees and it becomes difficult to decide which clubs to join or where their interests lie. </a:t>
+            </a:r>
+          </a:p>
+          <a:p>
+            <a:pPr>
+              <a:buFont typeface="Arial" panose="020B0604020202020204" pitchFamily="34" charset="0"/>
+              <a:buChar char="•"/>
+            </a:pPr>
+            <a:r>
+              <a:rPr lang="en-IN" sz="2000" dirty="0"/>
+              <a:t>It would be better if we have a management system for the clubs and committees in UIET which the students as well as club heads can access.</a:t>
+            </a:r>
+          </a:p>
+          <a:p>
+            <a:pPr>
+              <a:buFont typeface="Arial" panose="020B0604020202020204" pitchFamily="34" charset="0"/>
+              <a:buChar char="•"/>
+            </a:pPr>
+            <a:r>
+              <a:rPr lang="en-IN" sz="2000" dirty="0"/>
+              <a:t>Would be helpful for both students who wish to join a particular club as well as for club heads when they want to make any changes about information or to announce any recruitment dates, an event or a meeting.</a:t>
+            </a:r>
+          </a:p>
+          <a:p>
+            <a:pPr>
+              <a:buFont typeface="Arial" panose="020B0604020202020204" pitchFamily="34" charset="0"/>
+              <a:buChar char="•"/>
+            </a:pPr>
+            <a:r>
+              <a:rPr lang="en-IN" sz="2000" dirty="0"/>
+              <a:t>It would provide one portal to organise clubs and events which otherwise is a cumbersome process.</a:t>
+            </a:r>
+          </a:p>
+          <a:p>
+            <a:pPr>
+              <a:buFont typeface="Arial" panose="020B0604020202020204" pitchFamily="34" charset="0"/>
+              <a:buChar char="•"/>
+            </a:pPr>
+            <a:r>
+              <a:rPr lang="en-IN" sz="2000" dirty="0"/>
+              <a:t>It is easy to use as we have separate menus for information on clubs, recruitment dates, organising club meetings and for organising events.</a:t>
+            </a:r>
+          </a:p>
+          <a:p>
+            <a:pPr>
+              <a:buFont typeface="Arial" panose="020B0604020202020204" pitchFamily="34" charset="0"/>
+              <a:buChar char="•"/>
+            </a:pPr>
+            <a:endParaRPr lang="en-IN" sz="2000" dirty="0"/>
+          </a:p>
+          <a:p>
+            <a:pPr>
+              <a:buFont typeface="Arial" panose="020B0604020202020204" pitchFamily="34" charset="0"/>
+              <a:buChar char="•"/>
+            </a:pPr>
+            <a:endParaRPr lang="en-IN" sz="2000" dirty="0"/>
           </a:p>
         </p:txBody>
       </p:sp>
